--- a/Devops_Core/Day_2/DevOps_Core_Day2.pptx
+++ b/Devops_Core/Day_2/DevOps_Core_Day2.pptx
@@ -5,22 +5,27 @@
     <p:sldMasterId id="2147483659" r:id="rId1"/>
   </p:sldMasterIdLst>
   <p:notesMasterIdLst>
-    <p:notesMasterId r:id="rId5"/>
+    <p:notesMasterId r:id="rId10"/>
   </p:notesMasterIdLst>
   <p:sldIdLst>
     <p:sldId id="276" r:id="rId2"/>
     <p:sldId id="298" r:id="rId3"/>
-    <p:sldId id="275" r:id="rId4"/>
+    <p:sldId id="299" r:id="rId4"/>
+    <p:sldId id="300" r:id="rId5"/>
+    <p:sldId id="301" r:id="rId6"/>
+    <p:sldId id="303" r:id="rId7"/>
+    <p:sldId id="302" r:id="rId8"/>
+    <p:sldId id="275" r:id="rId9"/>
   </p:sldIdLst>
   <p:sldSz cx="9144000" cy="5143500" type="screen16x9"/>
   <p:notesSz cx="6858000" cy="9144000"/>
   <p:embeddedFontLst>
     <p:embeddedFont>
       <p:font typeface="Open Sans" pitchFamily="2" charset="0"/>
-      <p:regular r:id="rId6"/>
-      <p:bold r:id="rId7"/>
-      <p:italic r:id="rId8"/>
-      <p:boldItalic r:id="rId9"/>
+      <p:regular r:id="rId11"/>
+      <p:bold r:id="rId12"/>
+      <p:italic r:id="rId13"/>
+      <p:boldItalic r:id="rId14"/>
     </p:embeddedFont>
   </p:embeddedFontLst>
   <p:defaultTextStyle>
@@ -5286,7 +5291,7 @@
       </p:grpSpPr>
       <p:pic>
         <p:nvPicPr>
-          <p:cNvPr id="2" name="Picture 1"/>
+          <p:cNvPr id="6" name="Picture 5"/>
           <p:cNvPicPr>
             <a:picLocks noChangeAspect="1"/>
           </p:cNvPicPr>
@@ -5300,8 +5305,8 @@
         </p:blipFill>
         <p:spPr>
           <a:xfrm>
-            <a:off x="0" y="-1"/>
-            <a:ext cx="9129888" cy="5143501"/>
+            <a:off x="1" y="0"/>
+            <a:ext cx="9144000" cy="5143500"/>
           </a:xfrm>
           <a:prstGeom prst="rect">
             <a:avLst/>
@@ -5329,6 +5334,335 @@
 </file>
 
 <file path=ppt/slides/slide3.xml><?xml version="1.0" encoding="utf-8"?>
+<p:sld xmlns:a="http://schemas.openxmlformats.org/drawingml/2006/main" xmlns:r="http://schemas.openxmlformats.org/officeDocument/2006/relationships" xmlns:p="http://schemas.openxmlformats.org/presentationml/2006/main">
+  <p:cSld>
+    <p:spTree>
+      <p:nvGrpSpPr>
+        <p:cNvPr id="1" name=""/>
+        <p:cNvGrpSpPr/>
+        <p:nvPr/>
+      </p:nvGrpSpPr>
+      <p:grpSpPr>
+        <a:xfrm>
+          <a:off x="0" y="0"/>
+          <a:ext cx="0" cy="0"/>
+          <a:chOff x="0" y="0"/>
+          <a:chExt cx="0" cy="0"/>
+        </a:xfrm>
+      </p:grpSpPr>
+      <p:pic>
+        <p:nvPicPr>
+          <p:cNvPr id="4" name="Picture 3"/>
+          <p:cNvPicPr>
+            <a:picLocks noChangeAspect="1"/>
+          </p:cNvPicPr>
+          <p:nvPr/>
+        </p:nvPicPr>
+        <p:blipFill>
+          <a:blip r:embed="rId2"/>
+          <a:stretch>
+            <a:fillRect/>
+          </a:stretch>
+        </p:blipFill>
+        <p:spPr>
+          <a:xfrm>
+            <a:off x="0" y="1"/>
+            <a:ext cx="9144000" cy="5143500"/>
+          </a:xfrm>
+          <a:prstGeom prst="rect">
+            <a:avLst/>
+          </a:prstGeom>
+        </p:spPr>
+      </p:pic>
+    </p:spTree>
+    <p:extLst>
+      <p:ext uri="{BB962C8B-B14F-4D97-AF65-F5344CB8AC3E}">
+        <p14:creationId xmlns:p14="http://schemas.microsoft.com/office/powerpoint/2010/main" val="3665851437"/>
+      </p:ext>
+    </p:extLst>
+  </p:cSld>
+  <p:clrMapOvr>
+    <a:masterClrMapping/>
+  </p:clrMapOvr>
+  <p:timing>
+    <p:tnLst>
+      <p:par>
+        <p:cTn id="1" dur="indefinite" restart="never" nodeType="tmRoot"/>
+      </p:par>
+    </p:tnLst>
+  </p:timing>
+</p:sld>
+</file>
+
+<file path=ppt/slides/slide4.xml><?xml version="1.0" encoding="utf-8"?>
+<p:sld xmlns:a="http://schemas.openxmlformats.org/drawingml/2006/main" xmlns:r="http://schemas.openxmlformats.org/officeDocument/2006/relationships" xmlns:p="http://schemas.openxmlformats.org/presentationml/2006/main">
+  <p:cSld>
+    <p:spTree>
+      <p:nvGrpSpPr>
+        <p:cNvPr id="1" name=""/>
+        <p:cNvGrpSpPr/>
+        <p:nvPr/>
+      </p:nvGrpSpPr>
+      <p:grpSpPr>
+        <a:xfrm>
+          <a:off x="0" y="0"/>
+          <a:ext cx="0" cy="0"/>
+          <a:chOff x="0" y="0"/>
+          <a:chExt cx="0" cy="0"/>
+        </a:xfrm>
+      </p:grpSpPr>
+      <p:pic>
+        <p:nvPicPr>
+          <p:cNvPr id="2" name="Picture 1"/>
+          <p:cNvPicPr>
+            <a:picLocks noChangeAspect="1"/>
+          </p:cNvPicPr>
+          <p:nvPr/>
+        </p:nvPicPr>
+        <p:blipFill>
+          <a:blip r:embed="rId2"/>
+          <a:stretch>
+            <a:fillRect/>
+          </a:stretch>
+        </p:blipFill>
+        <p:spPr>
+          <a:xfrm>
+            <a:off x="1" y="0"/>
+            <a:ext cx="9144000" cy="5143500"/>
+          </a:xfrm>
+          <a:prstGeom prst="rect">
+            <a:avLst/>
+          </a:prstGeom>
+        </p:spPr>
+      </p:pic>
+    </p:spTree>
+    <p:extLst>
+      <p:ext uri="{BB962C8B-B14F-4D97-AF65-F5344CB8AC3E}">
+        <p14:creationId xmlns:p14="http://schemas.microsoft.com/office/powerpoint/2010/main" val="1706162630"/>
+      </p:ext>
+    </p:extLst>
+  </p:cSld>
+  <p:clrMapOvr>
+    <a:masterClrMapping/>
+  </p:clrMapOvr>
+  <p:timing>
+    <p:tnLst>
+      <p:par>
+        <p:cTn id="1" dur="indefinite" restart="never" nodeType="tmRoot"/>
+      </p:par>
+    </p:tnLst>
+  </p:timing>
+</p:sld>
+</file>
+
+<file path=ppt/slides/slide5.xml><?xml version="1.0" encoding="utf-8"?>
+<p:sld xmlns:a="http://schemas.openxmlformats.org/drawingml/2006/main" xmlns:r="http://schemas.openxmlformats.org/officeDocument/2006/relationships" xmlns:p="http://schemas.openxmlformats.org/presentationml/2006/main">
+  <p:cSld>
+    <p:spTree>
+      <p:nvGrpSpPr>
+        <p:cNvPr id="1" name=""/>
+        <p:cNvGrpSpPr/>
+        <p:nvPr/>
+      </p:nvGrpSpPr>
+      <p:grpSpPr>
+        <a:xfrm>
+          <a:off x="0" y="0"/>
+          <a:ext cx="0" cy="0"/>
+          <a:chOff x="0" y="0"/>
+          <a:chExt cx="0" cy="0"/>
+        </a:xfrm>
+      </p:grpSpPr>
+      <p:pic>
+        <p:nvPicPr>
+          <p:cNvPr id="3" name="Picture 2"/>
+          <p:cNvPicPr>
+            <a:picLocks noChangeAspect="1"/>
+          </p:cNvPicPr>
+          <p:nvPr/>
+        </p:nvPicPr>
+        <p:blipFill>
+          <a:blip r:embed="rId2"/>
+          <a:stretch>
+            <a:fillRect/>
+          </a:stretch>
+        </p:blipFill>
+        <p:spPr>
+          <a:xfrm>
+            <a:off x="1" y="0"/>
+            <a:ext cx="9144000" cy="5143500"/>
+          </a:xfrm>
+          <a:prstGeom prst="rect">
+            <a:avLst/>
+          </a:prstGeom>
+        </p:spPr>
+      </p:pic>
+    </p:spTree>
+    <p:extLst>
+      <p:ext uri="{BB962C8B-B14F-4D97-AF65-F5344CB8AC3E}">
+        <p14:creationId xmlns:p14="http://schemas.microsoft.com/office/powerpoint/2010/main" val="3994204077"/>
+      </p:ext>
+    </p:extLst>
+  </p:cSld>
+  <p:clrMapOvr>
+    <a:masterClrMapping/>
+  </p:clrMapOvr>
+  <p:timing>
+    <p:tnLst>
+      <p:par>
+        <p:cTn id="1" dur="indefinite" restart="never" nodeType="tmRoot"/>
+      </p:par>
+    </p:tnLst>
+  </p:timing>
+</p:sld>
+</file>
+
+<file path=ppt/slides/slide6.xml><?xml version="1.0" encoding="utf-8"?>
+<p:sld xmlns:a="http://schemas.openxmlformats.org/drawingml/2006/main" xmlns:r="http://schemas.openxmlformats.org/officeDocument/2006/relationships" xmlns:p="http://schemas.openxmlformats.org/presentationml/2006/main">
+  <p:cSld>
+    <p:spTree>
+      <p:nvGrpSpPr>
+        <p:cNvPr id="1" name=""/>
+        <p:cNvGrpSpPr/>
+        <p:nvPr/>
+      </p:nvGrpSpPr>
+      <p:grpSpPr>
+        <a:xfrm>
+          <a:off x="0" y="0"/>
+          <a:ext cx="0" cy="0"/>
+          <a:chOff x="0" y="0"/>
+          <a:chExt cx="0" cy="0"/>
+        </a:xfrm>
+      </p:grpSpPr>
+      <p:pic>
+        <p:nvPicPr>
+          <p:cNvPr id="3" name="Picture 2"/>
+          <p:cNvPicPr>
+            <a:picLocks noChangeAspect="1"/>
+          </p:cNvPicPr>
+          <p:nvPr/>
+        </p:nvPicPr>
+        <p:blipFill>
+          <a:blip r:embed="rId2"/>
+          <a:stretch>
+            <a:fillRect/>
+          </a:stretch>
+        </p:blipFill>
+        <p:spPr>
+          <a:xfrm>
+            <a:off x="1" y="0"/>
+            <a:ext cx="9144000" cy="5143500"/>
+          </a:xfrm>
+          <a:prstGeom prst="rect">
+            <a:avLst/>
+          </a:prstGeom>
+        </p:spPr>
+      </p:pic>
+      <p:pic>
+        <p:nvPicPr>
+          <p:cNvPr id="4" name="Picture 3"/>
+          <p:cNvPicPr>
+            <a:picLocks noChangeAspect="1"/>
+          </p:cNvPicPr>
+          <p:nvPr/>
+        </p:nvPicPr>
+        <p:blipFill>
+          <a:blip r:embed="rId3"/>
+          <a:stretch>
+            <a:fillRect/>
+          </a:stretch>
+        </p:blipFill>
+        <p:spPr>
+          <a:xfrm>
+            <a:off x="6985262" y="932582"/>
+            <a:ext cx="2048161" cy="3972479"/>
+          </a:xfrm>
+          <a:prstGeom prst="rect">
+            <a:avLst/>
+          </a:prstGeom>
+        </p:spPr>
+      </p:pic>
+    </p:spTree>
+    <p:extLst>
+      <p:ext uri="{BB962C8B-B14F-4D97-AF65-F5344CB8AC3E}">
+        <p14:creationId xmlns:p14="http://schemas.microsoft.com/office/powerpoint/2010/main" val="1393939982"/>
+      </p:ext>
+    </p:extLst>
+  </p:cSld>
+  <p:clrMapOvr>
+    <a:masterClrMapping/>
+  </p:clrMapOvr>
+  <p:timing>
+    <p:tnLst>
+      <p:par>
+        <p:cTn id="1" dur="indefinite" restart="never" nodeType="tmRoot"/>
+      </p:par>
+    </p:tnLst>
+  </p:timing>
+</p:sld>
+</file>
+
+<file path=ppt/slides/slide7.xml><?xml version="1.0" encoding="utf-8"?>
+<p:sld xmlns:a="http://schemas.openxmlformats.org/drawingml/2006/main" xmlns:r="http://schemas.openxmlformats.org/officeDocument/2006/relationships" xmlns:p="http://schemas.openxmlformats.org/presentationml/2006/main">
+  <p:cSld>
+    <p:spTree>
+      <p:nvGrpSpPr>
+        <p:cNvPr id="1" name=""/>
+        <p:cNvGrpSpPr/>
+        <p:nvPr/>
+      </p:nvGrpSpPr>
+      <p:grpSpPr>
+        <a:xfrm>
+          <a:off x="0" y="0"/>
+          <a:ext cx="0" cy="0"/>
+          <a:chOff x="0" y="0"/>
+          <a:chExt cx="0" cy="0"/>
+        </a:xfrm>
+      </p:grpSpPr>
+      <p:pic>
+        <p:nvPicPr>
+          <p:cNvPr id="2" name="Picture 1"/>
+          <p:cNvPicPr>
+            <a:picLocks noChangeAspect="1"/>
+          </p:cNvPicPr>
+          <p:nvPr/>
+        </p:nvPicPr>
+        <p:blipFill>
+          <a:blip r:embed="rId2"/>
+          <a:stretch>
+            <a:fillRect/>
+          </a:stretch>
+        </p:blipFill>
+        <p:spPr>
+          <a:xfrm>
+            <a:off x="1" y="0"/>
+            <a:ext cx="9144000" cy="5143500"/>
+          </a:xfrm>
+          <a:prstGeom prst="rect">
+            <a:avLst/>
+          </a:prstGeom>
+        </p:spPr>
+      </p:pic>
+    </p:spTree>
+    <p:extLst>
+      <p:ext uri="{BB962C8B-B14F-4D97-AF65-F5344CB8AC3E}">
+        <p14:creationId xmlns:p14="http://schemas.microsoft.com/office/powerpoint/2010/main" val="3525432936"/>
+      </p:ext>
+    </p:extLst>
+  </p:cSld>
+  <p:clrMapOvr>
+    <a:masterClrMapping/>
+  </p:clrMapOvr>
+  <p:timing>
+    <p:tnLst>
+      <p:par>
+        <p:cTn id="1" dur="indefinite" restart="never" nodeType="tmRoot"/>
+      </p:par>
+    </p:tnLst>
+  </p:timing>
+</p:sld>
+</file>
+
+<file path=ppt/slides/slide8.xml><?xml version="1.0" encoding="utf-8"?>
 <p:sld xmlns:a="http://schemas.openxmlformats.org/drawingml/2006/main" xmlns:r="http://schemas.openxmlformats.org/officeDocument/2006/relationships" xmlns:p="http://schemas.openxmlformats.org/presentationml/2006/main">
   <p:cSld>
     <p:spTree>
